--- a/hBN fitting.pptx
+++ b/hBN fitting.pptx
@@ -12,6 +12,12 @@
     <p:sldId id="260" r:id="rId6"/>
     <p:sldId id="261" r:id="rId7"/>
     <p:sldId id="262" r:id="rId8"/>
+    <p:sldId id="263" r:id="rId9"/>
+    <p:sldId id="264" r:id="rId10"/>
+    <p:sldId id="265" r:id="rId11"/>
+    <p:sldId id="266" r:id="rId12"/>
+    <p:sldId id="267" r:id="rId13"/>
+    <p:sldId id="268" r:id="rId14"/>
   </p:sldIdLst>
   <p:sldSz cx="12192000" cy="6858000"/>
   <p:notesSz cx="6858000" cy="9144000"/>
@@ -110,6 +116,11 @@
       </a:defRPr>
     </a:lvl9pPr>
   </p:defaultTextStyle>
+  <p:extLst>
+    <p:ext uri="{EFAFB233-063F-42B5-8137-9DF3F51BA10A}">
+      <p15:sldGuideLst xmlns:p15="http://schemas.microsoft.com/office/powerpoint/2012/main"/>
+    </p:ext>
+  </p:extLst>
 </p:presentation>
 </file>
 
@@ -262,7 +273,7 @@
           <a:p>
             <a:fld id="{45AD19C5-81CE-3A4E-B493-83D569825DA8}" type="datetimeFigureOut">
               <a:rPr lang="en-CN" smtClean="0"/>
-              <a:t>2022/6/10</a:t>
+              <a:t>2022/6/23</a:t>
             </a:fld>
             <a:endParaRPr lang="en-CN"/>
           </a:p>
@@ -462,7 +473,7 @@
           <a:p>
             <a:fld id="{45AD19C5-81CE-3A4E-B493-83D569825DA8}" type="datetimeFigureOut">
               <a:rPr lang="en-CN" smtClean="0"/>
-              <a:t>2022/6/10</a:t>
+              <a:t>2022/6/23</a:t>
             </a:fld>
             <a:endParaRPr lang="en-CN"/>
           </a:p>
@@ -672,7 +683,7 @@
           <a:p>
             <a:fld id="{45AD19C5-81CE-3A4E-B493-83D569825DA8}" type="datetimeFigureOut">
               <a:rPr lang="en-CN" smtClean="0"/>
-              <a:t>2022/6/10</a:t>
+              <a:t>2022/6/23</a:t>
             </a:fld>
             <a:endParaRPr lang="en-CN"/>
           </a:p>
@@ -872,7 +883,7 @@
           <a:p>
             <a:fld id="{45AD19C5-81CE-3A4E-B493-83D569825DA8}" type="datetimeFigureOut">
               <a:rPr lang="en-CN" smtClean="0"/>
-              <a:t>2022/6/10</a:t>
+              <a:t>2022/6/23</a:t>
             </a:fld>
             <a:endParaRPr lang="en-CN"/>
           </a:p>
@@ -1148,7 +1159,7 @@
           <a:p>
             <a:fld id="{45AD19C5-81CE-3A4E-B493-83D569825DA8}" type="datetimeFigureOut">
               <a:rPr lang="en-CN" smtClean="0"/>
-              <a:t>2022/6/10</a:t>
+              <a:t>2022/6/23</a:t>
             </a:fld>
             <a:endParaRPr lang="en-CN"/>
           </a:p>
@@ -1416,7 +1427,7 @@
           <a:p>
             <a:fld id="{45AD19C5-81CE-3A4E-B493-83D569825DA8}" type="datetimeFigureOut">
               <a:rPr lang="en-CN" smtClean="0"/>
-              <a:t>2022/6/10</a:t>
+              <a:t>2022/6/23</a:t>
             </a:fld>
             <a:endParaRPr lang="en-CN"/>
           </a:p>
@@ -1831,7 +1842,7 @@
           <a:p>
             <a:fld id="{45AD19C5-81CE-3A4E-B493-83D569825DA8}" type="datetimeFigureOut">
               <a:rPr lang="en-CN" smtClean="0"/>
-              <a:t>2022/6/10</a:t>
+              <a:t>2022/6/23</a:t>
             </a:fld>
             <a:endParaRPr lang="en-CN"/>
           </a:p>
@@ -1973,7 +1984,7 @@
           <a:p>
             <a:fld id="{45AD19C5-81CE-3A4E-B493-83D569825DA8}" type="datetimeFigureOut">
               <a:rPr lang="en-CN" smtClean="0"/>
-              <a:t>2022/6/10</a:t>
+              <a:t>2022/6/23</a:t>
             </a:fld>
             <a:endParaRPr lang="en-CN"/>
           </a:p>
@@ -2086,7 +2097,7 @@
           <a:p>
             <a:fld id="{45AD19C5-81CE-3A4E-B493-83D569825DA8}" type="datetimeFigureOut">
               <a:rPr lang="en-CN" smtClean="0"/>
-              <a:t>2022/6/10</a:t>
+              <a:t>2022/6/23</a:t>
             </a:fld>
             <a:endParaRPr lang="en-CN"/>
           </a:p>
@@ -2399,7 +2410,7 @@
           <a:p>
             <a:fld id="{45AD19C5-81CE-3A4E-B493-83D569825DA8}" type="datetimeFigureOut">
               <a:rPr lang="en-CN" smtClean="0"/>
-              <a:t>2022/6/10</a:t>
+              <a:t>2022/6/23</a:t>
             </a:fld>
             <a:endParaRPr lang="en-CN"/>
           </a:p>
@@ -2688,7 +2699,7 @@
           <a:p>
             <a:fld id="{45AD19C5-81CE-3A4E-B493-83D569825DA8}" type="datetimeFigureOut">
               <a:rPr lang="en-CN" smtClean="0"/>
-              <a:t>2022/6/10</a:t>
+              <a:t>2022/6/23</a:t>
             </a:fld>
             <a:endParaRPr lang="en-CN"/>
           </a:p>
@@ -2931,7 +2942,7 @@
           <a:p>
             <a:fld id="{45AD19C5-81CE-3A4E-B493-83D569825DA8}" type="datetimeFigureOut">
               <a:rPr lang="en-CN" smtClean="0"/>
-              <a:t>2022/6/10</a:t>
+              <a:t>2022/6/23</a:t>
             </a:fld>
             <a:endParaRPr lang="en-CN"/>
           </a:p>
@@ -3334,6 +3345,14 @@
 <file path=ppt/slides/slide1.xml><?xml version="1.0" encoding="utf-8"?>
 <p:sld xmlns:a="http://schemas.openxmlformats.org/drawingml/2006/main" xmlns:r="http://schemas.openxmlformats.org/officeDocument/2006/relationships" xmlns:p="http://schemas.openxmlformats.org/presentationml/2006/main">
   <p:cSld>
+    <p:bg>
+      <p:bgPr>
+        <a:solidFill>
+          <a:schemeClr val="bg1"/>
+        </a:solidFill>
+        <a:effectLst/>
+      </p:bgPr>
+    </p:bg>
     <p:spTree>
       <p:nvGrpSpPr>
         <p:cNvPr id="1" name=""/>
@@ -3348,6 +3367,127 @@
           <a:chExt cx="0" cy="0"/>
         </a:xfrm>
       </p:grpSpPr>
+      <p:cxnSp>
+        <p:nvCxnSpPr>
+          <p:cNvPr id="10" name="Straight Connector 9">
+            <a:extLst>
+              <a:ext uri="{FF2B5EF4-FFF2-40B4-BE49-F238E27FC236}">
+                <a16:creationId xmlns:a16="http://schemas.microsoft.com/office/drawing/2014/main" id="{D2E961F1-4A28-4A5F-BBD4-6E400E5E6C75}"/>
+              </a:ext>
+              <a:ext uri="{C183D7F6-B498-43B3-948B-1728B52AA6E4}">
+                <adec:decorative xmlns:adec="http://schemas.microsoft.com/office/drawing/2017/decorative" val="1"/>
+              </a:ext>
+            </a:extLst>
+          </p:cNvPr>
+          <p:cNvCxnSpPr>
+            <a:cxnSpLocks noGrp="1" noRot="1" noChangeAspect="1" noMove="1" noResize="1" noEditPoints="1" noAdjustHandles="1" noChangeArrowheads="1" noChangeShapeType="1"/>
+          </p:cNvCxnSpPr>
+          <p:nvPr>
+            <p:extLst>
+              <p:ext uri="{386F3935-93C4-4BCD-93E2-E3B085C9AB24}">
+                <p16:designElem xmlns:p16="http://schemas.microsoft.com/office/powerpoint/2015/main" val="1"/>
+              </p:ext>
+            </p:extLst>
+          </p:nvPr>
+        </p:nvCxnSpPr>
+        <p:spPr bwMode="white">
+          <a:xfrm>
+            <a:off x="0" y="272357"/>
+            <a:ext cx="12188824" cy="0"/>
+          </a:xfrm>
+          <a:prstGeom prst="line">
+            <a:avLst/>
+          </a:prstGeom>
+          <a:ln w="50800">
+            <a:solidFill>
+              <a:schemeClr val="tx1">
+                <a:lumMod val="75000"/>
+                <a:lumOff val="25000"/>
+              </a:schemeClr>
+            </a:solidFill>
+          </a:ln>
+        </p:spPr>
+        <p:style>
+          <a:lnRef idx="1">
+            <a:schemeClr val="accent1"/>
+          </a:lnRef>
+          <a:fillRef idx="0">
+            <a:schemeClr val="accent1"/>
+          </a:fillRef>
+          <a:effectRef idx="0">
+            <a:schemeClr val="accent1"/>
+          </a:effectRef>
+          <a:fontRef idx="minor">
+            <a:schemeClr val="tx1"/>
+          </a:fontRef>
+        </p:style>
+      </p:cxnSp>
+      <p:sp>
+        <p:nvSpPr>
+          <p:cNvPr id="12" name="Rectangle 11">
+            <a:extLst>
+              <a:ext uri="{FF2B5EF4-FFF2-40B4-BE49-F238E27FC236}">
+                <a16:creationId xmlns:a16="http://schemas.microsoft.com/office/drawing/2014/main" id="{7F57BEA8-497D-4AA8-8A18-BDCD696B25FE}"/>
+              </a:ext>
+              <a:ext uri="{C183D7F6-B498-43B3-948B-1728B52AA6E4}">
+                <adec:decorative xmlns:adec="http://schemas.microsoft.com/office/drawing/2017/decorative" val="1"/>
+              </a:ext>
+            </a:extLst>
+          </p:cNvPr>
+          <p:cNvSpPr>
+            <a:spLocks noGrp="1" noRot="1" noChangeAspect="1" noMove="1" noResize="1" noEditPoints="1" noAdjustHandles="1" noChangeArrowheads="1" noChangeShapeType="1" noTextEdit="1"/>
+          </p:cNvSpPr>
+          <p:nvPr>
+            <p:extLst>
+              <p:ext uri="{386F3935-93C4-4BCD-93E2-E3B085C9AB24}">
+                <p16:designElem xmlns:p16="http://schemas.microsoft.com/office/powerpoint/2015/main" val="1"/>
+              </p:ext>
+            </p:extLst>
+          </p:nvPr>
+        </p:nvSpPr>
+        <p:spPr>
+          <a:xfrm>
+            <a:off x="0" y="368596"/>
+            <a:ext cx="12192000" cy="1735555"/>
+          </a:xfrm>
+          <a:prstGeom prst="rect">
+            <a:avLst/>
+          </a:prstGeom>
+          <a:solidFill>
+            <a:schemeClr val="tx1">
+              <a:lumMod val="75000"/>
+              <a:lumOff val="25000"/>
+            </a:schemeClr>
+          </a:solidFill>
+          <a:ln>
+            <a:noFill/>
+          </a:ln>
+        </p:spPr>
+        <p:style>
+          <a:lnRef idx="2">
+            <a:schemeClr val="accent1">
+              <a:shade val="50000"/>
+            </a:schemeClr>
+          </a:lnRef>
+          <a:fillRef idx="1">
+            <a:schemeClr val="accent1"/>
+          </a:fillRef>
+          <a:effectRef idx="0">
+            <a:schemeClr val="accent1"/>
+          </a:effectRef>
+          <a:fontRef idx="minor">
+            <a:schemeClr val="lt1"/>
+          </a:fontRef>
+        </p:style>
+        <p:txBody>
+          <a:bodyPr rtlCol="0" anchor="ctr"/>
+          <a:lstStyle/>
+          <a:p>
+            <a:pPr algn="ctr"/>
+            <a:endParaRPr lang="en-US"/>
+          </a:p>
+        </p:txBody>
+      </p:sp>
       <p:sp>
         <p:nvSpPr>
           <p:cNvPr id="2" name="Title 1">
@@ -3364,13 +3504,24 @@
             <p:ph type="ctrTitle"/>
           </p:nvPr>
         </p:nvSpPr>
-        <p:spPr/>
-        <p:txBody>
-          <a:bodyPr/>
-          <a:lstStyle/>
-          <a:p>
-            <a:r>
-              <a:rPr lang="en-CN" dirty="0"/>
+        <p:spPr>
+          <a:xfrm>
+            <a:off x="526073" y="489439"/>
+            <a:ext cx="11139854" cy="930447"/>
+          </a:xfrm>
+        </p:spPr>
+        <p:txBody>
+          <a:bodyPr>
+            <a:normAutofit/>
+          </a:bodyPr>
+          <a:lstStyle/>
+          <a:p>
+            <a:r>
+              <a:rPr lang="en-CN" sz="5400">
+                <a:solidFill>
+                  <a:schemeClr val="bg1"/>
+                </a:solidFill>
+              </a:rPr>
               <a:t>hBN fitting</a:t>
             </a:r>
           </a:p>
@@ -3392,15 +3543,263 @@
             <p:ph type="subTitle" idx="1"/>
           </p:nvPr>
         </p:nvSpPr>
-        <p:spPr/>
-        <p:txBody>
-          <a:bodyPr/>
+        <p:spPr>
+          <a:xfrm>
+            <a:off x="1524000" y="1548499"/>
+            <a:ext cx="9144000" cy="420001"/>
+          </a:xfrm>
+        </p:spPr>
+        <p:txBody>
+          <a:bodyPr>
+            <a:normAutofit/>
+          </a:bodyPr>
+          <a:lstStyle/>
+          <a:p>
+            <a:r>
+              <a:rPr lang="en-CN" sz="2000">
+                <a:solidFill>
+                  <a:schemeClr val="bg1"/>
+                </a:solidFill>
+              </a:rPr>
+              <a:t>Yizhou Liu</a:t>
+            </a:r>
+          </a:p>
+        </p:txBody>
+      </p:sp>
+      <p:cxnSp>
+        <p:nvCxnSpPr>
+          <p:cNvPr id="14" name="Straight Connector 13">
+            <a:extLst>
+              <a:ext uri="{FF2B5EF4-FFF2-40B4-BE49-F238E27FC236}">
+                <a16:creationId xmlns:a16="http://schemas.microsoft.com/office/drawing/2014/main" id="{A82415D3-DDE5-4D63-8CB3-23A5EC581B27}"/>
+              </a:ext>
+              <a:ext uri="{C183D7F6-B498-43B3-948B-1728B52AA6E4}">
+                <adec:decorative xmlns:adec="http://schemas.microsoft.com/office/drawing/2017/decorative" val="1"/>
+              </a:ext>
+            </a:extLst>
+          </p:cNvPr>
+          <p:cNvCxnSpPr>
+            <a:cxnSpLocks noGrp="1" noRot="1" noChangeAspect="1" noMove="1" noResize="1" noEditPoints="1" noAdjustHandles="1" noChangeArrowheads="1" noChangeShapeType="1"/>
+          </p:cNvCxnSpPr>
+          <p:nvPr>
+            <p:extLst>
+              <p:ext uri="{386F3935-93C4-4BCD-93E2-E3B085C9AB24}">
+                <p16:designElem xmlns:p16="http://schemas.microsoft.com/office/powerpoint/2015/main" val="1"/>
+              </p:ext>
+            </p:extLst>
+          </p:nvPr>
+        </p:nvCxnSpPr>
+        <p:spPr>
+          <a:xfrm>
+            <a:off x="4724400" y="1479733"/>
+            <a:ext cx="2743200" cy="0"/>
+          </a:xfrm>
+          <a:prstGeom prst="line">
+            <a:avLst/>
+          </a:prstGeom>
+          <a:ln w="19050">
+            <a:solidFill>
+              <a:schemeClr val="bg1">
+                <a:alpha val="75000"/>
+              </a:schemeClr>
+            </a:solidFill>
+          </a:ln>
+        </p:spPr>
+        <p:style>
+          <a:lnRef idx="1">
+            <a:schemeClr val="accent1"/>
+          </a:lnRef>
+          <a:fillRef idx="0">
+            <a:schemeClr val="accent1"/>
+          </a:fillRef>
+          <a:effectRef idx="0">
+            <a:schemeClr val="accent1"/>
+          </a:effectRef>
+          <a:fontRef idx="minor">
+            <a:schemeClr val="tx1"/>
+          </a:fontRef>
+        </p:style>
+      </p:cxnSp>
+      <p:cxnSp>
+        <p:nvCxnSpPr>
+          <p:cNvPr id="16" name="Straight Connector 15">
+            <a:extLst>
+              <a:ext uri="{FF2B5EF4-FFF2-40B4-BE49-F238E27FC236}">
+                <a16:creationId xmlns:a16="http://schemas.microsoft.com/office/drawing/2014/main" id="{AD7193FB-6AE6-4B3B-8F89-56B55DD63B4D}"/>
+              </a:ext>
+              <a:ext uri="{C183D7F6-B498-43B3-948B-1728B52AA6E4}">
+                <adec:decorative xmlns:adec="http://schemas.microsoft.com/office/drawing/2017/decorative" val="1"/>
+              </a:ext>
+            </a:extLst>
+          </p:cNvPr>
+          <p:cNvCxnSpPr>
+            <a:cxnSpLocks noGrp="1" noRot="1" noChangeAspect="1" noMove="1" noResize="1" noEditPoints="1" noAdjustHandles="1" noChangeArrowheads="1" noChangeShapeType="1"/>
+          </p:cNvCxnSpPr>
+          <p:nvPr>
+            <p:extLst>
+              <p:ext uri="{386F3935-93C4-4BCD-93E2-E3B085C9AB24}">
+                <p16:designElem xmlns:p16="http://schemas.microsoft.com/office/powerpoint/2015/main" val="1"/>
+              </p:ext>
+            </p:extLst>
+          </p:nvPr>
+        </p:nvCxnSpPr>
+        <p:spPr bwMode="white">
+          <a:xfrm>
+            <a:off x="0" y="2201402"/>
+            <a:ext cx="12188824" cy="0"/>
+          </a:xfrm>
+          <a:prstGeom prst="line">
+            <a:avLst/>
+          </a:prstGeom>
+          <a:ln w="50800">
+            <a:solidFill>
+              <a:schemeClr val="tx1">
+                <a:lumMod val="75000"/>
+                <a:lumOff val="25000"/>
+              </a:schemeClr>
+            </a:solidFill>
+          </a:ln>
+        </p:spPr>
+        <p:style>
+          <a:lnRef idx="1">
+            <a:schemeClr val="accent1"/>
+          </a:lnRef>
+          <a:fillRef idx="0">
+            <a:schemeClr val="accent1"/>
+          </a:fillRef>
+          <a:effectRef idx="0">
+            <a:schemeClr val="accent1"/>
+          </a:effectRef>
+          <a:fontRef idx="minor">
+            <a:schemeClr val="tx1"/>
+          </a:fontRef>
+        </p:style>
+      </p:cxnSp>
+      <p:pic>
+        <p:nvPicPr>
+          <p:cNvPr id="5" name="Picture 4">
+            <a:extLst>
+              <a:ext uri="{FF2B5EF4-FFF2-40B4-BE49-F238E27FC236}">
+                <a16:creationId xmlns:a16="http://schemas.microsoft.com/office/drawing/2014/main" id="{2A344932-4E43-1A42-A161-23E5CAA1E9B6}"/>
+              </a:ext>
+            </a:extLst>
+          </p:cNvPr>
+          <p:cNvPicPr>
+            <a:picLocks noChangeAspect="1"/>
+          </p:cNvPicPr>
+          <p:nvPr/>
+        </p:nvPicPr>
+        <p:blipFill>
+          <a:blip r:embed="rId2"/>
+          <a:stretch>
+            <a:fillRect/>
+          </a:stretch>
+        </p:blipFill>
+        <p:spPr>
+          <a:xfrm>
+            <a:off x="526073" y="3650629"/>
+            <a:ext cx="11496821" cy="1005969"/>
+          </a:xfrm>
+          <a:prstGeom prst="rect">
+            <a:avLst/>
+          </a:prstGeom>
+        </p:spPr>
+      </p:pic>
+      <p:sp>
+        <p:nvSpPr>
+          <p:cNvPr id="6" name="TextBox 5">
+            <a:extLst>
+              <a:ext uri="{FF2B5EF4-FFF2-40B4-BE49-F238E27FC236}">
+                <a16:creationId xmlns:a16="http://schemas.microsoft.com/office/drawing/2014/main" id="{B79A3BDB-1651-874B-A3FD-350D8305D6AC}"/>
+              </a:ext>
+            </a:extLst>
+          </p:cNvPr>
+          <p:cNvSpPr txBox="1"/>
+          <p:nvPr/>
+        </p:nvSpPr>
+        <p:spPr>
+          <a:xfrm>
+            <a:off x="1524000" y="5004486"/>
+            <a:ext cx="8435546" cy="923330"/>
+          </a:xfrm>
+          <a:prstGeom prst="rect">
+            <a:avLst/>
+          </a:prstGeom>
+          <a:noFill/>
+        </p:spPr>
+        <p:txBody>
+          <a:bodyPr wrap="square" rtlCol="0">
+            <a:spAutoFit/>
+          </a:bodyPr>
           <a:lstStyle/>
           <a:p>
             <a:r>
               <a:rPr lang="en-CN" dirty="0"/>
-              <a:t>Yizhou Liu</a:t>
-            </a:r>
+              <a:t>Note: </a:t>
+            </a:r>
+            <a:r>
+              <a:rPr lang="en-US" dirty="0"/>
+              <a:t>A1, xc1, A2, xc2, </a:t>
+            </a:r>
+            <a:r>
+              <a:rPr lang="en-US" dirty="0" err="1"/>
+              <a:t>Lp</a:t>
+            </a:r>
+            <a:r>
+              <a:rPr lang="en-US" dirty="0"/>
+              <a:t>, </a:t>
+            </a:r>
+            <a:r>
+              <a:rPr lang="en-US" dirty="0" err="1"/>
+              <a:t>lambdafit</a:t>
+            </a:r>
+            <a:r>
+              <a:rPr lang="en-US" dirty="0"/>
+              <a:t>, offset each represents, </a:t>
+            </a:r>
+            <a:r>
+              <a:rPr lang="en-US" dirty="0" err="1"/>
+              <a:t>A,x_A,B</a:t>
+            </a:r>
+            <a:r>
+              <a:rPr lang="en-US" dirty="0"/>
+              <a:t>, </a:t>
+            </a:r>
+            <a:r>
+              <a:rPr lang="en-US" dirty="0" err="1"/>
+              <a:t>x_B</a:t>
+            </a:r>
+            <a:r>
+              <a:rPr lang="en-US" dirty="0"/>
+              <a:t>, </a:t>
+            </a:r>
+            <a:r>
+              <a:rPr lang="en-US" dirty="0" err="1"/>
+              <a:t>Lp</a:t>
+            </a:r>
+            <a:r>
+              <a:rPr lang="en-US" dirty="0"/>
+              <a:t>, </a:t>
+            </a:r>
+            <a:r>
+              <a:rPr lang="en-US" dirty="0" err="1"/>
+              <a:t>lambda_p</a:t>
+            </a:r>
+            <a:r>
+              <a:rPr lang="en-US" dirty="0"/>
+              <a:t>, and    </a:t>
+            </a:r>
+            <a:r>
+              <a:rPr lang="el-GR" dirty="0"/>
+              <a:t>ξ</a:t>
+            </a:r>
+            <a:r>
+              <a:rPr lang="en-US" dirty="0"/>
+              <a:t>_0 in the function above.</a:t>
+            </a:r>
+          </a:p>
+          <a:p>
+            <a:endParaRPr lang="en-CN" dirty="0"/>
           </a:p>
         </p:txBody>
       </p:sp>
@@ -3408,6 +3807,806 @@
     <p:extLst>
       <p:ext uri="{BB962C8B-B14F-4D97-AF65-F5344CB8AC3E}">
         <p14:creationId xmlns:p14="http://schemas.microsoft.com/office/powerpoint/2010/main" val="2359888648"/>
+      </p:ext>
+    </p:extLst>
+  </p:cSld>
+  <p:clrMapOvr>
+    <a:masterClrMapping/>
+  </p:clrMapOvr>
+</p:sld>
+</file>
+
+<file path=ppt/slides/slide10.xml><?xml version="1.0" encoding="utf-8"?>
+<p:sld xmlns:a="http://schemas.openxmlformats.org/drawingml/2006/main" xmlns:r="http://schemas.openxmlformats.org/officeDocument/2006/relationships" xmlns:p="http://schemas.openxmlformats.org/presentationml/2006/main">
+  <p:cSld>
+    <p:spTree>
+      <p:nvGrpSpPr>
+        <p:cNvPr id="1" name=""/>
+        <p:cNvGrpSpPr/>
+        <p:nvPr/>
+      </p:nvGrpSpPr>
+      <p:grpSpPr>
+        <a:xfrm>
+          <a:off x="0" y="0"/>
+          <a:ext cx="0" cy="0"/>
+          <a:chOff x="0" y="0"/>
+          <a:chExt cx="0" cy="0"/>
+        </a:xfrm>
+      </p:grpSpPr>
+      <p:sp>
+        <p:nvSpPr>
+          <p:cNvPr id="2" name="TextBox 1">
+            <a:extLst>
+              <a:ext uri="{FF2B5EF4-FFF2-40B4-BE49-F238E27FC236}">
+                <a16:creationId xmlns:a16="http://schemas.microsoft.com/office/drawing/2014/main" id="{0F62057B-F437-6547-8448-F349B8748E46}"/>
+              </a:ext>
+            </a:extLst>
+          </p:cNvPr>
+          <p:cNvSpPr txBox="1"/>
+          <p:nvPr/>
+        </p:nvSpPr>
+        <p:spPr>
+          <a:xfrm>
+            <a:off x="651641" y="168166"/>
+            <a:ext cx="2301766" cy="646331"/>
+          </a:xfrm>
+          <a:prstGeom prst="rect">
+            <a:avLst/>
+          </a:prstGeom>
+          <a:noFill/>
+        </p:spPr>
+        <p:txBody>
+          <a:bodyPr wrap="square" rtlCol="0">
+            <a:spAutoFit/>
+          </a:bodyPr>
+          <a:lstStyle/>
+          <a:p>
+            <a:r>
+              <a:rPr lang="en-CN" dirty="0"/>
+              <a:t>Update 1 frequency </a:t>
+            </a:r>
+          </a:p>
+          <a:p>
+            <a:r>
+              <a:rPr lang="en-CN" dirty="0"/>
+              <a:t>1449</a:t>
+            </a:r>
+          </a:p>
+        </p:txBody>
+      </p:sp>
+      <p:sp>
+        <p:nvSpPr>
+          <p:cNvPr id="5" name="TextBox 4">
+            <a:extLst>
+              <a:ext uri="{FF2B5EF4-FFF2-40B4-BE49-F238E27FC236}">
+                <a16:creationId xmlns:a16="http://schemas.microsoft.com/office/drawing/2014/main" id="{6C7ABB51-AA8E-0441-946E-ABC792788457}"/>
+              </a:ext>
+            </a:extLst>
+          </p:cNvPr>
+          <p:cNvSpPr txBox="1"/>
+          <p:nvPr/>
+        </p:nvSpPr>
+        <p:spPr>
+          <a:xfrm>
+            <a:off x="7908324" y="926757"/>
+            <a:ext cx="3447535" cy="2862322"/>
+          </a:xfrm>
+          <a:prstGeom prst="rect">
+            <a:avLst/>
+          </a:prstGeom>
+          <a:noFill/>
+        </p:spPr>
+        <p:txBody>
+          <a:bodyPr wrap="square" rtlCol="0">
+            <a:spAutoFit/>
+          </a:bodyPr>
+          <a:lstStyle/>
+          <a:p>
+            <a:r>
+              <a:rPr lang="en-CN" dirty="0"/>
+              <a:t>A1:  0.0913	</a:t>
+            </a:r>
+          </a:p>
+          <a:p>
+            <a:r>
+              <a:rPr lang="en-US" dirty="0"/>
+              <a:t>x</a:t>
+            </a:r>
+            <a:r>
+              <a:rPr lang="en-CN" dirty="0"/>
+              <a:t>c1:  1.0279</a:t>
+            </a:r>
+          </a:p>
+          <a:p>
+            <a:r>
+              <a:rPr lang="en-CN" dirty="0"/>
+              <a:t>A2:    0.0087</a:t>
+            </a:r>
+          </a:p>
+          <a:p>
+            <a:r>
+              <a:rPr lang="en-US" dirty="0"/>
+              <a:t>x</a:t>
+            </a:r>
+            <a:r>
+              <a:rPr lang="en-CN" dirty="0"/>
+              <a:t>c2:   0.6793</a:t>
+            </a:r>
+          </a:p>
+          <a:p>
+            <a:r>
+              <a:rPr lang="en-CN" dirty="0"/>
+              <a:t>Lp:     1.0720</a:t>
+            </a:r>
+          </a:p>
+          <a:p>
+            <a:r>
+              <a:rPr lang="en-US" dirty="0"/>
+              <a:t>lambda fit:  0.2793</a:t>
+            </a:r>
+          </a:p>
+          <a:p>
+            <a:r>
+              <a:rPr lang="en-US" dirty="0"/>
+              <a:t>offset:     0.8475</a:t>
+            </a:r>
+          </a:p>
+          <a:p>
+            <a:r>
+              <a:rPr lang="en-US" dirty="0"/>
+              <a:t>Residual: 0.0048</a:t>
+            </a:r>
+          </a:p>
+          <a:p>
+            <a:r>
+              <a:rPr lang="en-US" dirty="0"/>
+              <a:t>Raw data selection:  [60,203]</a:t>
+            </a:r>
+          </a:p>
+          <a:p>
+            <a:r>
+              <a:rPr lang="en-US" dirty="0"/>
+              <a:t>Reversing selection:  [5,120]</a:t>
+            </a:r>
+            <a:endParaRPr lang="en-CN" dirty="0"/>
+          </a:p>
+        </p:txBody>
+      </p:sp>
+      <p:pic>
+        <p:nvPicPr>
+          <p:cNvPr id="4" name="Picture 3" descr="Chart, line chart, histogram&#10;&#10;Description automatically generated">
+            <a:extLst>
+              <a:ext uri="{FF2B5EF4-FFF2-40B4-BE49-F238E27FC236}">
+                <a16:creationId xmlns:a16="http://schemas.microsoft.com/office/drawing/2014/main" id="{E85493B4-DDA3-DD44-B827-2A67AF55B112}"/>
+              </a:ext>
+            </a:extLst>
+          </p:cNvPr>
+          <p:cNvPicPr>
+            <a:picLocks noChangeAspect="1"/>
+          </p:cNvPicPr>
+          <p:nvPr/>
+        </p:nvPicPr>
+        <p:blipFill>
+          <a:blip r:embed="rId2"/>
+          <a:stretch>
+            <a:fillRect/>
+          </a:stretch>
+        </p:blipFill>
+        <p:spPr>
+          <a:xfrm>
+            <a:off x="561031" y="926757"/>
+            <a:ext cx="6794500" cy="5295900"/>
+          </a:xfrm>
+          <a:prstGeom prst="rect">
+            <a:avLst/>
+          </a:prstGeom>
+        </p:spPr>
+      </p:pic>
+    </p:spTree>
+    <p:extLst>
+      <p:ext uri="{BB962C8B-B14F-4D97-AF65-F5344CB8AC3E}">
+        <p14:creationId xmlns:p14="http://schemas.microsoft.com/office/powerpoint/2010/main" val="1299747075"/>
+      </p:ext>
+    </p:extLst>
+  </p:cSld>
+  <p:clrMapOvr>
+    <a:masterClrMapping/>
+  </p:clrMapOvr>
+</p:sld>
+</file>
+
+<file path=ppt/slides/slide11.xml><?xml version="1.0" encoding="utf-8"?>
+<p:sld xmlns:a="http://schemas.openxmlformats.org/drawingml/2006/main" xmlns:r="http://schemas.openxmlformats.org/officeDocument/2006/relationships" xmlns:p="http://schemas.openxmlformats.org/presentationml/2006/main">
+  <p:cSld>
+    <p:spTree>
+      <p:nvGrpSpPr>
+        <p:cNvPr id="1" name=""/>
+        <p:cNvGrpSpPr/>
+        <p:nvPr/>
+      </p:nvGrpSpPr>
+      <p:grpSpPr>
+        <a:xfrm>
+          <a:off x="0" y="0"/>
+          <a:ext cx="0" cy="0"/>
+          <a:chOff x="0" y="0"/>
+          <a:chExt cx="0" cy="0"/>
+        </a:xfrm>
+      </p:grpSpPr>
+      <p:sp>
+        <p:nvSpPr>
+          <p:cNvPr id="2" name="TextBox 1">
+            <a:extLst>
+              <a:ext uri="{FF2B5EF4-FFF2-40B4-BE49-F238E27FC236}">
+                <a16:creationId xmlns:a16="http://schemas.microsoft.com/office/drawing/2014/main" id="{0F62057B-F437-6547-8448-F349B8748E46}"/>
+              </a:ext>
+            </a:extLst>
+          </p:cNvPr>
+          <p:cNvSpPr txBox="1"/>
+          <p:nvPr/>
+        </p:nvSpPr>
+        <p:spPr>
+          <a:xfrm>
+            <a:off x="651641" y="168166"/>
+            <a:ext cx="2301766" cy="646331"/>
+          </a:xfrm>
+          <a:prstGeom prst="rect">
+            <a:avLst/>
+          </a:prstGeom>
+          <a:noFill/>
+        </p:spPr>
+        <p:txBody>
+          <a:bodyPr wrap="square" rtlCol="0">
+            <a:spAutoFit/>
+          </a:bodyPr>
+          <a:lstStyle/>
+          <a:p>
+            <a:r>
+              <a:rPr lang="en-CN" dirty="0"/>
+              <a:t>Update 1 frequency </a:t>
+            </a:r>
+          </a:p>
+          <a:p>
+            <a:r>
+              <a:rPr lang="en-CN" dirty="0"/>
+              <a:t>1460</a:t>
+            </a:r>
+          </a:p>
+        </p:txBody>
+      </p:sp>
+      <p:sp>
+        <p:nvSpPr>
+          <p:cNvPr id="5" name="TextBox 4">
+            <a:extLst>
+              <a:ext uri="{FF2B5EF4-FFF2-40B4-BE49-F238E27FC236}">
+                <a16:creationId xmlns:a16="http://schemas.microsoft.com/office/drawing/2014/main" id="{6C7ABB51-AA8E-0441-946E-ABC792788457}"/>
+              </a:ext>
+            </a:extLst>
+          </p:cNvPr>
+          <p:cNvSpPr txBox="1"/>
+          <p:nvPr/>
+        </p:nvSpPr>
+        <p:spPr>
+          <a:xfrm>
+            <a:off x="7908324" y="926757"/>
+            <a:ext cx="3447535" cy="2862322"/>
+          </a:xfrm>
+          <a:prstGeom prst="rect">
+            <a:avLst/>
+          </a:prstGeom>
+          <a:noFill/>
+        </p:spPr>
+        <p:txBody>
+          <a:bodyPr wrap="square" rtlCol="0">
+            <a:spAutoFit/>
+          </a:bodyPr>
+          <a:lstStyle/>
+          <a:p>
+            <a:r>
+              <a:rPr lang="en-CN" dirty="0"/>
+              <a:t>A1:  0.1158	</a:t>
+            </a:r>
+          </a:p>
+          <a:p>
+            <a:r>
+              <a:rPr lang="en-US" dirty="0"/>
+              <a:t>x</a:t>
+            </a:r>
+            <a:r>
+              <a:rPr lang="en-CN" dirty="0"/>
+              <a:t>c1:  1.0976</a:t>
+            </a:r>
+          </a:p>
+          <a:p>
+            <a:r>
+              <a:rPr lang="en-CN" dirty="0"/>
+              <a:t>A2:    0.0045</a:t>
+            </a:r>
+          </a:p>
+          <a:p>
+            <a:r>
+              <a:rPr lang="en-US" dirty="0"/>
+              <a:t>x</a:t>
+            </a:r>
+            <a:r>
+              <a:rPr lang="en-CN" dirty="0"/>
+              <a:t>c2:   1.0943</a:t>
+            </a:r>
+          </a:p>
+          <a:p>
+            <a:r>
+              <a:rPr lang="en-CN" dirty="0"/>
+              <a:t>Lp:     0.9644</a:t>
+            </a:r>
+          </a:p>
+          <a:p>
+            <a:r>
+              <a:rPr lang="en-US" dirty="0"/>
+              <a:t>lambda fit:  0.2279</a:t>
+            </a:r>
+          </a:p>
+          <a:p>
+            <a:r>
+              <a:rPr lang="en-US" dirty="0"/>
+              <a:t>offset:     0.9115</a:t>
+            </a:r>
+          </a:p>
+          <a:p>
+            <a:r>
+              <a:rPr lang="en-US" dirty="0"/>
+              <a:t>Residual: 0.0051</a:t>
+            </a:r>
+          </a:p>
+          <a:p>
+            <a:r>
+              <a:rPr lang="en-US" dirty="0"/>
+              <a:t>Raw data selection:  [60,200]</a:t>
+            </a:r>
+          </a:p>
+          <a:p>
+            <a:r>
+              <a:rPr lang="en-US" dirty="0"/>
+              <a:t>Reversing selection:  [7,120]</a:t>
+            </a:r>
+            <a:endParaRPr lang="en-CN" dirty="0"/>
+          </a:p>
+        </p:txBody>
+      </p:sp>
+      <p:pic>
+        <p:nvPicPr>
+          <p:cNvPr id="6" name="Picture 5" descr="Chart, histogram&#10;&#10;Description automatically generated">
+            <a:extLst>
+              <a:ext uri="{FF2B5EF4-FFF2-40B4-BE49-F238E27FC236}">
+                <a16:creationId xmlns:a16="http://schemas.microsoft.com/office/drawing/2014/main" id="{02DA7EAE-6DBD-9E40-9873-FCA5F8B63E1F}"/>
+              </a:ext>
+            </a:extLst>
+          </p:cNvPr>
+          <p:cNvPicPr>
+            <a:picLocks noChangeAspect="1"/>
+          </p:cNvPicPr>
+          <p:nvPr/>
+        </p:nvPicPr>
+        <p:blipFill>
+          <a:blip r:embed="rId2"/>
+          <a:stretch>
+            <a:fillRect/>
+          </a:stretch>
+        </p:blipFill>
+        <p:spPr>
+          <a:xfrm>
+            <a:off x="428515" y="926757"/>
+            <a:ext cx="6794500" cy="5295900"/>
+          </a:xfrm>
+          <a:prstGeom prst="rect">
+            <a:avLst/>
+          </a:prstGeom>
+        </p:spPr>
+      </p:pic>
+    </p:spTree>
+    <p:extLst>
+      <p:ext uri="{BB962C8B-B14F-4D97-AF65-F5344CB8AC3E}">
+        <p14:creationId xmlns:p14="http://schemas.microsoft.com/office/powerpoint/2010/main" val="480506675"/>
+      </p:ext>
+    </p:extLst>
+  </p:cSld>
+  <p:clrMapOvr>
+    <a:masterClrMapping/>
+  </p:clrMapOvr>
+</p:sld>
+</file>
+
+<file path=ppt/slides/slide12.xml><?xml version="1.0" encoding="utf-8"?>
+<p:sld xmlns:a="http://schemas.openxmlformats.org/drawingml/2006/main" xmlns:r="http://schemas.openxmlformats.org/officeDocument/2006/relationships" xmlns:p="http://schemas.openxmlformats.org/presentationml/2006/main">
+  <p:cSld>
+    <p:spTree>
+      <p:nvGrpSpPr>
+        <p:cNvPr id="1" name=""/>
+        <p:cNvGrpSpPr/>
+        <p:nvPr/>
+      </p:nvGrpSpPr>
+      <p:grpSpPr>
+        <a:xfrm>
+          <a:off x="0" y="0"/>
+          <a:ext cx="0" cy="0"/>
+          <a:chOff x="0" y="0"/>
+          <a:chExt cx="0" cy="0"/>
+        </a:xfrm>
+      </p:grpSpPr>
+      <p:sp>
+        <p:nvSpPr>
+          <p:cNvPr id="2" name="TextBox 1">
+            <a:extLst>
+              <a:ext uri="{FF2B5EF4-FFF2-40B4-BE49-F238E27FC236}">
+                <a16:creationId xmlns:a16="http://schemas.microsoft.com/office/drawing/2014/main" id="{0F62057B-F437-6547-8448-F349B8748E46}"/>
+              </a:ext>
+            </a:extLst>
+          </p:cNvPr>
+          <p:cNvSpPr txBox="1"/>
+          <p:nvPr/>
+        </p:nvSpPr>
+        <p:spPr>
+          <a:xfrm>
+            <a:off x="651641" y="168166"/>
+            <a:ext cx="2301766" cy="646331"/>
+          </a:xfrm>
+          <a:prstGeom prst="rect">
+            <a:avLst/>
+          </a:prstGeom>
+          <a:noFill/>
+        </p:spPr>
+        <p:txBody>
+          <a:bodyPr wrap="square" rtlCol="0">
+            <a:spAutoFit/>
+          </a:bodyPr>
+          <a:lstStyle/>
+          <a:p>
+            <a:r>
+              <a:rPr lang="en-CN" dirty="0"/>
+              <a:t>Update 1 frequency </a:t>
+            </a:r>
+          </a:p>
+          <a:p>
+            <a:r>
+              <a:rPr lang="en-CN" dirty="0"/>
+              <a:t>1465</a:t>
+            </a:r>
+          </a:p>
+        </p:txBody>
+      </p:sp>
+      <p:sp>
+        <p:nvSpPr>
+          <p:cNvPr id="5" name="TextBox 4">
+            <a:extLst>
+              <a:ext uri="{FF2B5EF4-FFF2-40B4-BE49-F238E27FC236}">
+                <a16:creationId xmlns:a16="http://schemas.microsoft.com/office/drawing/2014/main" id="{6C7ABB51-AA8E-0441-946E-ABC792788457}"/>
+              </a:ext>
+            </a:extLst>
+          </p:cNvPr>
+          <p:cNvSpPr txBox="1"/>
+          <p:nvPr/>
+        </p:nvSpPr>
+        <p:spPr>
+          <a:xfrm>
+            <a:off x="7908324" y="926757"/>
+            <a:ext cx="3447535" cy="2862322"/>
+          </a:xfrm>
+          <a:prstGeom prst="rect">
+            <a:avLst/>
+          </a:prstGeom>
+          <a:noFill/>
+        </p:spPr>
+        <p:txBody>
+          <a:bodyPr wrap="square" rtlCol="0">
+            <a:spAutoFit/>
+          </a:bodyPr>
+          <a:lstStyle/>
+          <a:p>
+            <a:r>
+              <a:rPr lang="en-CN" dirty="0"/>
+              <a:t>A1:  0.1324		</a:t>
+            </a:r>
+          </a:p>
+          <a:p>
+            <a:r>
+              <a:rPr lang="en-US" dirty="0"/>
+              <a:t>x</a:t>
+            </a:r>
+            <a:r>
+              <a:rPr lang="en-CN" dirty="0"/>
+              <a:t>c1:  1.0711</a:t>
+            </a:r>
+          </a:p>
+          <a:p>
+            <a:r>
+              <a:rPr lang="en-CN" dirty="0"/>
+              <a:t>A2:    0.0112</a:t>
+            </a:r>
+          </a:p>
+          <a:p>
+            <a:r>
+              <a:rPr lang="en-US" dirty="0"/>
+              <a:t>x</a:t>
+            </a:r>
+            <a:r>
+              <a:rPr lang="en-CN" dirty="0"/>
+              <a:t>c2:   0.9675</a:t>
+            </a:r>
+          </a:p>
+          <a:p>
+            <a:r>
+              <a:rPr lang="en-CN" dirty="0"/>
+              <a:t>Lp:     0.7977</a:t>
+            </a:r>
+          </a:p>
+          <a:p>
+            <a:r>
+              <a:rPr lang="en-US" dirty="0"/>
+              <a:t>lambda fit:  0.2231</a:t>
+            </a:r>
+          </a:p>
+          <a:p>
+            <a:r>
+              <a:rPr lang="en-US" dirty="0"/>
+              <a:t>offset:     0.7550</a:t>
+            </a:r>
+          </a:p>
+          <a:p>
+            <a:r>
+              <a:rPr lang="en-US" dirty="0"/>
+              <a:t>Residual: 0.0030</a:t>
+            </a:r>
+          </a:p>
+          <a:p>
+            <a:r>
+              <a:rPr lang="en-US" dirty="0"/>
+              <a:t>Raw data selection:  [80,203]</a:t>
+            </a:r>
+          </a:p>
+          <a:p>
+            <a:r>
+              <a:rPr lang="en-US" dirty="0"/>
+              <a:t>Reversing selection</a:t>
+            </a:r>
+            <a:r>
+              <a:rPr lang="en-US"/>
+              <a:t>:  [10,90]</a:t>
+            </a:r>
+            <a:endParaRPr lang="en-CN" dirty="0"/>
+          </a:p>
+        </p:txBody>
+      </p:sp>
+      <p:pic>
+        <p:nvPicPr>
+          <p:cNvPr id="9" name="Picture 8" descr="Chart, histogram&#10;&#10;Description automatically generated">
+            <a:extLst>
+              <a:ext uri="{FF2B5EF4-FFF2-40B4-BE49-F238E27FC236}">
+                <a16:creationId xmlns:a16="http://schemas.microsoft.com/office/drawing/2014/main" id="{4CD68FBD-9715-8D4D-9D55-C99D266CD332}"/>
+              </a:ext>
+            </a:extLst>
+          </p:cNvPr>
+          <p:cNvPicPr>
+            <a:picLocks noChangeAspect="1"/>
+          </p:cNvPicPr>
+          <p:nvPr/>
+        </p:nvPicPr>
+        <p:blipFill>
+          <a:blip r:embed="rId2"/>
+          <a:stretch>
+            <a:fillRect/>
+          </a:stretch>
+        </p:blipFill>
+        <p:spPr>
+          <a:xfrm>
+            <a:off x="464591" y="1028507"/>
+            <a:ext cx="6794500" cy="5295900"/>
+          </a:xfrm>
+          <a:prstGeom prst="rect">
+            <a:avLst/>
+          </a:prstGeom>
+        </p:spPr>
+      </p:pic>
+    </p:spTree>
+    <p:extLst>
+      <p:ext uri="{BB962C8B-B14F-4D97-AF65-F5344CB8AC3E}">
+        <p14:creationId xmlns:p14="http://schemas.microsoft.com/office/powerpoint/2010/main" val="1160093822"/>
+      </p:ext>
+    </p:extLst>
+  </p:cSld>
+  <p:clrMapOvr>
+    <a:masterClrMapping/>
+  </p:clrMapOvr>
+</p:sld>
+</file>
+
+<file path=ppt/slides/slide13.xml><?xml version="1.0" encoding="utf-8"?>
+<p:sld xmlns:a="http://schemas.openxmlformats.org/drawingml/2006/main" xmlns:r="http://schemas.openxmlformats.org/officeDocument/2006/relationships" xmlns:p="http://schemas.openxmlformats.org/presentationml/2006/main">
+  <p:cSld>
+    <p:spTree>
+      <p:nvGrpSpPr>
+        <p:cNvPr id="1" name=""/>
+        <p:cNvGrpSpPr/>
+        <p:nvPr/>
+      </p:nvGrpSpPr>
+      <p:grpSpPr>
+        <a:xfrm>
+          <a:off x="0" y="0"/>
+          <a:ext cx="0" cy="0"/>
+          <a:chOff x="0" y="0"/>
+          <a:chExt cx="0" cy="0"/>
+        </a:xfrm>
+      </p:grpSpPr>
+      <p:sp>
+        <p:nvSpPr>
+          <p:cNvPr id="2" name="TextBox 1">
+            <a:extLst>
+              <a:ext uri="{FF2B5EF4-FFF2-40B4-BE49-F238E27FC236}">
+                <a16:creationId xmlns:a16="http://schemas.microsoft.com/office/drawing/2014/main" id="{0F62057B-F437-6547-8448-F349B8748E46}"/>
+              </a:ext>
+            </a:extLst>
+          </p:cNvPr>
+          <p:cNvSpPr txBox="1"/>
+          <p:nvPr/>
+        </p:nvSpPr>
+        <p:spPr>
+          <a:xfrm>
+            <a:off x="651641" y="168166"/>
+            <a:ext cx="2301766" cy="646331"/>
+          </a:xfrm>
+          <a:prstGeom prst="rect">
+            <a:avLst/>
+          </a:prstGeom>
+          <a:noFill/>
+        </p:spPr>
+        <p:txBody>
+          <a:bodyPr wrap="square" rtlCol="0">
+            <a:spAutoFit/>
+          </a:bodyPr>
+          <a:lstStyle/>
+          <a:p>
+            <a:r>
+              <a:rPr lang="en-CN" dirty="0"/>
+              <a:t>Update 1 frequency </a:t>
+            </a:r>
+          </a:p>
+          <a:p>
+            <a:r>
+              <a:rPr lang="en-CN" dirty="0"/>
+              <a:t>1470</a:t>
+            </a:r>
+          </a:p>
+        </p:txBody>
+      </p:sp>
+      <p:sp>
+        <p:nvSpPr>
+          <p:cNvPr id="5" name="TextBox 4">
+            <a:extLst>
+              <a:ext uri="{FF2B5EF4-FFF2-40B4-BE49-F238E27FC236}">
+                <a16:creationId xmlns:a16="http://schemas.microsoft.com/office/drawing/2014/main" id="{6C7ABB51-AA8E-0441-946E-ABC792788457}"/>
+              </a:ext>
+            </a:extLst>
+          </p:cNvPr>
+          <p:cNvSpPr txBox="1"/>
+          <p:nvPr/>
+        </p:nvSpPr>
+        <p:spPr>
+          <a:xfrm>
+            <a:off x="7908324" y="926757"/>
+            <a:ext cx="3447535" cy="2862322"/>
+          </a:xfrm>
+          <a:prstGeom prst="rect">
+            <a:avLst/>
+          </a:prstGeom>
+          <a:noFill/>
+        </p:spPr>
+        <p:txBody>
+          <a:bodyPr wrap="square" rtlCol="0">
+            <a:spAutoFit/>
+          </a:bodyPr>
+          <a:lstStyle/>
+          <a:p>
+            <a:r>
+              <a:rPr lang="en-CN" dirty="0"/>
+              <a:t>A1:  0.0777	</a:t>
+            </a:r>
+          </a:p>
+          <a:p>
+            <a:r>
+              <a:rPr lang="en-US" dirty="0"/>
+              <a:t>x</a:t>
+            </a:r>
+            <a:r>
+              <a:rPr lang="en-CN" dirty="0"/>
+              <a:t>c1:  1.0852</a:t>
+            </a:r>
+          </a:p>
+          <a:p>
+            <a:r>
+              <a:rPr lang="en-CN" dirty="0"/>
+              <a:t>A2:    0.0073</a:t>
+            </a:r>
+          </a:p>
+          <a:p>
+            <a:r>
+              <a:rPr lang="en-US" dirty="0"/>
+              <a:t>x</a:t>
+            </a:r>
+            <a:r>
+              <a:rPr lang="en-CN" dirty="0"/>
+              <a:t>c2:   1.4025</a:t>
+            </a:r>
+          </a:p>
+          <a:p>
+            <a:r>
+              <a:rPr lang="en-CN" dirty="0"/>
+              <a:t>Lp:     0.7260</a:t>
+            </a:r>
+          </a:p>
+          <a:p>
+            <a:r>
+              <a:rPr lang="en-US" dirty="0"/>
+              <a:t>lambda fit:  0.2128</a:t>
+            </a:r>
+          </a:p>
+          <a:p>
+            <a:r>
+              <a:rPr lang="en-US" dirty="0"/>
+              <a:t>offset:     0.7450</a:t>
+            </a:r>
+          </a:p>
+          <a:p>
+            <a:r>
+              <a:rPr lang="en-US" dirty="0"/>
+              <a:t>Residual: 0.0019</a:t>
+            </a:r>
+          </a:p>
+          <a:p>
+            <a:r>
+              <a:rPr lang="en-US" dirty="0"/>
+              <a:t>Raw data selection:  [115,208]</a:t>
+            </a:r>
+          </a:p>
+          <a:p>
+            <a:r>
+              <a:rPr lang="en-US" dirty="0"/>
+              <a:t>Reversing selection:  [9,80]</a:t>
+            </a:r>
+            <a:endParaRPr lang="en-CN" dirty="0"/>
+          </a:p>
+        </p:txBody>
+      </p:sp>
+      <p:pic>
+        <p:nvPicPr>
+          <p:cNvPr id="4" name="Picture 3" descr="Chart, line chart, histogram&#10;&#10;Description automatically generated">
+            <a:extLst>
+              <a:ext uri="{FF2B5EF4-FFF2-40B4-BE49-F238E27FC236}">
+                <a16:creationId xmlns:a16="http://schemas.microsoft.com/office/drawing/2014/main" id="{B574B8A1-7492-9244-A421-417BC0584962}"/>
+              </a:ext>
+            </a:extLst>
+          </p:cNvPr>
+          <p:cNvPicPr>
+            <a:picLocks noChangeAspect="1"/>
+          </p:cNvPicPr>
+          <p:nvPr/>
+        </p:nvPicPr>
+        <p:blipFill>
+          <a:blip r:embed="rId2"/>
+          <a:stretch>
+            <a:fillRect/>
+          </a:stretch>
+        </p:blipFill>
+        <p:spPr>
+          <a:xfrm>
+            <a:off x="502088" y="1012278"/>
+            <a:ext cx="6794500" cy="5295900"/>
+          </a:xfrm>
+          <a:prstGeom prst="rect">
+            <a:avLst/>
+          </a:prstGeom>
+        </p:spPr>
+      </p:pic>
+    </p:spTree>
+    <p:extLst>
+      <p:ext uri="{BB962C8B-B14F-4D97-AF65-F5344CB8AC3E}">
+        <p14:creationId xmlns:p14="http://schemas.microsoft.com/office/powerpoint/2010/main" val="2912839109"/>
       </p:ext>
     </p:extLst>
   </p:cSld>
@@ -6356,6 +7555,392 @@
     <p:extLst>
       <p:ext uri="{BB962C8B-B14F-4D97-AF65-F5344CB8AC3E}">
         <p14:creationId xmlns:p14="http://schemas.microsoft.com/office/powerpoint/2010/main" val="1937951290"/>
+      </p:ext>
+    </p:extLst>
+  </p:cSld>
+  <p:clrMapOvr>
+    <a:masterClrMapping/>
+  </p:clrMapOvr>
+</p:sld>
+</file>
+
+<file path=ppt/slides/slide8.xml><?xml version="1.0" encoding="utf-8"?>
+<p:sld xmlns:a="http://schemas.openxmlformats.org/drawingml/2006/main" xmlns:r="http://schemas.openxmlformats.org/officeDocument/2006/relationships" xmlns:p="http://schemas.openxmlformats.org/presentationml/2006/main">
+  <p:cSld>
+    <p:spTree>
+      <p:nvGrpSpPr>
+        <p:cNvPr id="1" name=""/>
+        <p:cNvGrpSpPr/>
+        <p:nvPr/>
+      </p:nvGrpSpPr>
+      <p:grpSpPr>
+        <a:xfrm>
+          <a:off x="0" y="0"/>
+          <a:ext cx="0" cy="0"/>
+          <a:chOff x="0" y="0"/>
+          <a:chExt cx="0" cy="0"/>
+        </a:xfrm>
+      </p:grpSpPr>
+      <p:sp>
+        <p:nvSpPr>
+          <p:cNvPr id="2" name="TextBox 1">
+            <a:extLst>
+              <a:ext uri="{FF2B5EF4-FFF2-40B4-BE49-F238E27FC236}">
+                <a16:creationId xmlns:a16="http://schemas.microsoft.com/office/drawing/2014/main" id="{0F62057B-F437-6547-8448-F349B8748E46}"/>
+              </a:ext>
+            </a:extLst>
+          </p:cNvPr>
+          <p:cNvSpPr txBox="1"/>
+          <p:nvPr/>
+        </p:nvSpPr>
+        <p:spPr>
+          <a:xfrm>
+            <a:off x="651641" y="168166"/>
+            <a:ext cx="2301766" cy="646331"/>
+          </a:xfrm>
+          <a:prstGeom prst="rect">
+            <a:avLst/>
+          </a:prstGeom>
+          <a:noFill/>
+        </p:spPr>
+        <p:txBody>
+          <a:bodyPr wrap="square" rtlCol="0">
+            <a:spAutoFit/>
+          </a:bodyPr>
+          <a:lstStyle/>
+          <a:p>
+            <a:r>
+              <a:rPr lang="en-CN" dirty="0"/>
+              <a:t>Update 1 frequency 1420</a:t>
+            </a:r>
+          </a:p>
+        </p:txBody>
+      </p:sp>
+      <p:pic>
+        <p:nvPicPr>
+          <p:cNvPr id="4" name="Picture 3" descr="Chart, line chart, histogram&#10;&#10;Description automatically generated">
+            <a:extLst>
+              <a:ext uri="{FF2B5EF4-FFF2-40B4-BE49-F238E27FC236}">
+                <a16:creationId xmlns:a16="http://schemas.microsoft.com/office/drawing/2014/main" id="{2355CA7F-3663-E743-93C7-ABE425B72765}"/>
+              </a:ext>
+            </a:extLst>
+          </p:cNvPr>
+          <p:cNvPicPr>
+            <a:picLocks noChangeAspect="1"/>
+          </p:cNvPicPr>
+          <p:nvPr/>
+        </p:nvPicPr>
+        <p:blipFill>
+          <a:blip r:embed="rId2"/>
+          <a:stretch>
+            <a:fillRect/>
+          </a:stretch>
+        </p:blipFill>
+        <p:spPr>
+          <a:xfrm>
+            <a:off x="318179" y="840259"/>
+            <a:ext cx="7229148" cy="5634681"/>
+          </a:xfrm>
+          <a:prstGeom prst="rect">
+            <a:avLst/>
+          </a:prstGeom>
+        </p:spPr>
+      </p:pic>
+      <p:sp>
+        <p:nvSpPr>
+          <p:cNvPr id="5" name="TextBox 4">
+            <a:extLst>
+              <a:ext uri="{FF2B5EF4-FFF2-40B4-BE49-F238E27FC236}">
+                <a16:creationId xmlns:a16="http://schemas.microsoft.com/office/drawing/2014/main" id="{6C7ABB51-AA8E-0441-946E-ABC792788457}"/>
+              </a:ext>
+            </a:extLst>
+          </p:cNvPr>
+          <p:cNvSpPr txBox="1"/>
+          <p:nvPr/>
+        </p:nvSpPr>
+        <p:spPr>
+          <a:xfrm>
+            <a:off x="7908324" y="926757"/>
+            <a:ext cx="3447535" cy="2862322"/>
+          </a:xfrm>
+          <a:prstGeom prst="rect">
+            <a:avLst/>
+          </a:prstGeom>
+          <a:noFill/>
+        </p:spPr>
+        <p:txBody>
+          <a:bodyPr wrap="square" rtlCol="0">
+            <a:spAutoFit/>
+          </a:bodyPr>
+          <a:lstStyle/>
+          <a:p>
+            <a:r>
+              <a:rPr lang="en-CN" dirty="0"/>
+              <a:t>A1:  0.1746	</a:t>
+            </a:r>
+          </a:p>
+          <a:p>
+            <a:r>
+              <a:rPr lang="en-US" dirty="0"/>
+              <a:t>x</a:t>
+            </a:r>
+            <a:r>
+              <a:rPr lang="en-CN" dirty="0"/>
+              <a:t>c1:  1.0861</a:t>
+            </a:r>
+          </a:p>
+          <a:p>
+            <a:r>
+              <a:rPr lang="en-CN" dirty="0"/>
+              <a:t>A2:    0.0454</a:t>
+            </a:r>
+          </a:p>
+          <a:p>
+            <a:r>
+              <a:rPr lang="en-US" dirty="0"/>
+              <a:t>x</a:t>
+            </a:r>
+            <a:r>
+              <a:rPr lang="en-CN" dirty="0"/>
+              <a:t>c2:   1.0388</a:t>
+            </a:r>
+          </a:p>
+          <a:p>
+            <a:r>
+              <a:rPr lang="en-CN" dirty="0"/>
+              <a:t>Lp:     1.2992</a:t>
+            </a:r>
+          </a:p>
+          <a:p>
+            <a:r>
+              <a:rPr lang="en-US" dirty="0"/>
+              <a:t>lambda fit:  0.5</a:t>
+            </a:r>
+          </a:p>
+          <a:p>
+            <a:r>
+              <a:rPr lang="en-US" dirty="0"/>
+              <a:t>offset:     1.285</a:t>
+            </a:r>
+          </a:p>
+          <a:p>
+            <a:r>
+              <a:rPr lang="en-US" dirty="0"/>
+              <a:t>Residual: 0. 0071</a:t>
+            </a:r>
+          </a:p>
+          <a:p>
+            <a:r>
+              <a:rPr lang="en-US" dirty="0"/>
+              <a:t>Raw data selection:  [40,190]</a:t>
+            </a:r>
+          </a:p>
+          <a:p>
+            <a:r>
+              <a:rPr lang="en-US" dirty="0"/>
+              <a:t>Reversing selection:  [8,120]</a:t>
+            </a:r>
+            <a:endParaRPr lang="en-CN" dirty="0"/>
+          </a:p>
+        </p:txBody>
+      </p:sp>
+    </p:spTree>
+    <p:extLst>
+      <p:ext uri="{BB962C8B-B14F-4D97-AF65-F5344CB8AC3E}">
+        <p14:creationId xmlns:p14="http://schemas.microsoft.com/office/powerpoint/2010/main" val="496853562"/>
+      </p:ext>
+    </p:extLst>
+  </p:cSld>
+  <p:clrMapOvr>
+    <a:masterClrMapping/>
+  </p:clrMapOvr>
+</p:sld>
+</file>
+
+<file path=ppt/slides/slide9.xml><?xml version="1.0" encoding="utf-8"?>
+<p:sld xmlns:a="http://schemas.openxmlformats.org/drawingml/2006/main" xmlns:r="http://schemas.openxmlformats.org/officeDocument/2006/relationships" xmlns:p="http://schemas.openxmlformats.org/presentationml/2006/main">
+  <p:cSld>
+    <p:spTree>
+      <p:nvGrpSpPr>
+        <p:cNvPr id="1" name=""/>
+        <p:cNvGrpSpPr/>
+        <p:nvPr/>
+      </p:nvGrpSpPr>
+      <p:grpSpPr>
+        <a:xfrm>
+          <a:off x="0" y="0"/>
+          <a:ext cx="0" cy="0"/>
+          <a:chOff x="0" y="0"/>
+          <a:chExt cx="0" cy="0"/>
+        </a:xfrm>
+      </p:grpSpPr>
+      <p:sp>
+        <p:nvSpPr>
+          <p:cNvPr id="2" name="TextBox 1">
+            <a:extLst>
+              <a:ext uri="{FF2B5EF4-FFF2-40B4-BE49-F238E27FC236}">
+                <a16:creationId xmlns:a16="http://schemas.microsoft.com/office/drawing/2014/main" id="{0F62057B-F437-6547-8448-F349B8748E46}"/>
+              </a:ext>
+            </a:extLst>
+          </p:cNvPr>
+          <p:cNvSpPr txBox="1"/>
+          <p:nvPr/>
+        </p:nvSpPr>
+        <p:spPr>
+          <a:xfrm>
+            <a:off x="651641" y="168166"/>
+            <a:ext cx="2301766" cy="646331"/>
+          </a:xfrm>
+          <a:prstGeom prst="rect">
+            <a:avLst/>
+          </a:prstGeom>
+          <a:noFill/>
+        </p:spPr>
+        <p:txBody>
+          <a:bodyPr wrap="square" rtlCol="0">
+            <a:spAutoFit/>
+          </a:bodyPr>
+          <a:lstStyle/>
+          <a:p>
+            <a:r>
+              <a:rPr lang="en-CN" dirty="0"/>
+              <a:t>Update 1 frequency 1430</a:t>
+            </a:r>
+          </a:p>
+        </p:txBody>
+      </p:sp>
+      <p:sp>
+        <p:nvSpPr>
+          <p:cNvPr id="5" name="TextBox 4">
+            <a:extLst>
+              <a:ext uri="{FF2B5EF4-FFF2-40B4-BE49-F238E27FC236}">
+                <a16:creationId xmlns:a16="http://schemas.microsoft.com/office/drawing/2014/main" id="{6C7ABB51-AA8E-0441-946E-ABC792788457}"/>
+              </a:ext>
+            </a:extLst>
+          </p:cNvPr>
+          <p:cNvSpPr txBox="1"/>
+          <p:nvPr/>
+        </p:nvSpPr>
+        <p:spPr>
+          <a:xfrm>
+            <a:off x="7908324" y="926757"/>
+            <a:ext cx="3447535" cy="2862322"/>
+          </a:xfrm>
+          <a:prstGeom prst="rect">
+            <a:avLst/>
+          </a:prstGeom>
+          <a:noFill/>
+        </p:spPr>
+        <p:txBody>
+          <a:bodyPr wrap="square" rtlCol="0">
+            <a:spAutoFit/>
+          </a:bodyPr>
+          <a:lstStyle/>
+          <a:p>
+            <a:r>
+              <a:rPr lang="en-CN" dirty="0"/>
+              <a:t>A1:  0.1394	</a:t>
+            </a:r>
+          </a:p>
+          <a:p>
+            <a:r>
+              <a:rPr lang="en-US" dirty="0"/>
+              <a:t>x</a:t>
+            </a:r>
+            <a:r>
+              <a:rPr lang="en-CN" dirty="0"/>
+              <a:t>c1:  0.9365</a:t>
+            </a:r>
+          </a:p>
+          <a:p>
+            <a:r>
+              <a:rPr lang="en-CN" dirty="0"/>
+              <a:t>A2:    0.0222</a:t>
+            </a:r>
+          </a:p>
+          <a:p>
+            <a:r>
+              <a:rPr lang="en-US" dirty="0"/>
+              <a:t>x</a:t>
+            </a:r>
+            <a:r>
+              <a:rPr lang="en-CN" dirty="0"/>
+              <a:t>c2:   0.8530</a:t>
+            </a:r>
+          </a:p>
+          <a:p>
+            <a:r>
+              <a:rPr lang="en-CN" dirty="0"/>
+              <a:t>Lp:     1.1001</a:t>
+            </a:r>
+          </a:p>
+          <a:p>
+            <a:r>
+              <a:rPr lang="en-US" dirty="0"/>
+              <a:t>lambda fit:  0.4235</a:t>
+            </a:r>
+          </a:p>
+          <a:p>
+            <a:r>
+              <a:rPr lang="en-US" dirty="0"/>
+              <a:t>offset:     1.045</a:t>
+            </a:r>
+          </a:p>
+          <a:p>
+            <a:r>
+              <a:rPr lang="en-US" dirty="0"/>
+              <a:t>Residual: 0. 0061</a:t>
+            </a:r>
+          </a:p>
+          <a:p>
+            <a:r>
+              <a:rPr lang="en-US" dirty="0"/>
+              <a:t>Raw data selection:  [40,195]</a:t>
+            </a:r>
+          </a:p>
+          <a:p>
+            <a:r>
+              <a:rPr lang="en-US" dirty="0"/>
+              <a:t>Reversing selection:  [5,120]</a:t>
+            </a:r>
+            <a:endParaRPr lang="en-CN" dirty="0"/>
+          </a:p>
+        </p:txBody>
+      </p:sp>
+      <p:pic>
+        <p:nvPicPr>
+          <p:cNvPr id="6" name="Picture 5" descr="Chart, histogram&#10;&#10;Description automatically generated">
+            <a:extLst>
+              <a:ext uri="{FF2B5EF4-FFF2-40B4-BE49-F238E27FC236}">
+                <a16:creationId xmlns:a16="http://schemas.microsoft.com/office/drawing/2014/main" id="{4D98C62F-2A40-B845-A0F2-260626D607B9}"/>
+              </a:ext>
+            </a:extLst>
+          </p:cNvPr>
+          <p:cNvPicPr>
+            <a:picLocks noChangeAspect="1"/>
+          </p:cNvPicPr>
+          <p:nvPr/>
+        </p:nvPicPr>
+        <p:blipFill>
+          <a:blip r:embed="rId2"/>
+          <a:stretch>
+            <a:fillRect/>
+          </a:stretch>
+        </p:blipFill>
+        <p:spPr>
+          <a:xfrm>
+            <a:off x="363323" y="814497"/>
+            <a:ext cx="6794500" cy="5295900"/>
+          </a:xfrm>
+          <a:prstGeom prst="rect">
+            <a:avLst/>
+          </a:prstGeom>
+        </p:spPr>
+      </p:pic>
+    </p:spTree>
+    <p:extLst>
+      <p:ext uri="{BB962C8B-B14F-4D97-AF65-F5344CB8AC3E}">
+        <p14:creationId xmlns:p14="http://schemas.microsoft.com/office/powerpoint/2010/main" val="528865132"/>
       </p:ext>
     </p:extLst>
   </p:cSld>

--- a/hBN fitting.pptx
+++ b/hBN fitting.pptx
@@ -4364,11 +4364,7 @@
           <a:p>
             <a:r>
               <a:rPr lang="en-US" dirty="0"/>
-              <a:t>Reversing selection</a:t>
-            </a:r>
-            <a:r>
-              <a:rPr lang="en-US"/>
-              <a:t>:  [10,90]</a:t>
+              <a:t>Reversing selection:  [10,90]</a:t>
             </a:r>
             <a:endParaRPr lang="en-CN" dirty="0"/>
           </a:p>
